--- a/materials/slides/ch07-2.pptx
+++ b/materials/slides/ch07-2.pptx
@@ -263,7 +263,7 @@
           <a:p>
             <a:fld id="{A097A4FE-15A4-4468-9890-CEB24014ACB3}" type="datetimeFigureOut">
               <a:rPr lang="zh-CN" altLang="en-US" smtClean="0"/>
-              <a:t>2018/3/27</a:t>
+              <a:t>2018/3/28</a:t>
             </a:fld>
             <a:endParaRPr lang="zh-CN" altLang="en-US"/>
           </a:p>
@@ -1767,7 +1767,7 @@
           <a:p>
             <a:fld id="{530820CF-B880-4189-942D-D702A7CBA730}" type="datetimeFigureOut">
               <a:rPr lang="zh-CN" altLang="en-US" smtClean="0"/>
-              <a:t>2018/3/27</a:t>
+              <a:t>2018/3/28</a:t>
             </a:fld>
             <a:endParaRPr lang="zh-CN" altLang="en-US"/>
           </a:p>
@@ -1886,7 +1886,7 @@
           <a:p>
             <a:fld id="{530820CF-B880-4189-942D-D702A7CBA730}" type="datetimeFigureOut">
               <a:rPr lang="zh-CN" altLang="en-US" smtClean="0"/>
-              <a:t>2018/3/27</a:t>
+              <a:t>2018/3/28</a:t>
             </a:fld>
             <a:endParaRPr lang="zh-CN" altLang="en-US"/>
           </a:p>
@@ -2289,7 +2289,7 @@
           <a:p>
             <a:fld id="{530820CF-B880-4189-942D-D702A7CBA730}" type="datetimeFigureOut">
               <a:rPr lang="zh-CN" altLang="en-US" smtClean="0"/>
-              <a:t>2018/3/27</a:t>
+              <a:t>2018/3/28</a:t>
             </a:fld>
             <a:endParaRPr lang="zh-CN" altLang="en-US"/>
           </a:p>
@@ -4399,7 +4399,7 @@
               <a:defRPr/>
             </a:pPr>
             <a:r>
-              <a:rPr lang="en-US" altLang="zh-CN" sz="2800" b="1">
+              <a:rPr lang="en-US" altLang="zh-CN" sz="2800" b="1" dirty="0" err="1">
                 <a:solidFill>
                   <a:schemeClr val="tx1">
                     <a:lumMod val="85000"/>
@@ -4408,7 +4408,91 @@
                 </a:solidFill>
                 <a:latin typeface="Consolas" panose="020B0609020204030204" pitchFamily="49" charset="0"/>
               </a:rPr>
-              <a:t>ImageView iv_loading = findViewById(R.id.iv_loading);</a:t>
+              <a:t>ImageView</a:t>
+            </a:r>
+            <a:r>
+              <a:rPr lang="en-US" altLang="zh-CN" sz="2800" b="1" dirty="0">
+                <a:solidFill>
+                  <a:schemeClr val="tx1">
+                    <a:lumMod val="85000"/>
+                    <a:lumOff val="15000"/>
+                  </a:schemeClr>
+                </a:solidFill>
+                <a:latin typeface="Consolas" panose="020B0609020204030204" pitchFamily="49" charset="0"/>
+              </a:rPr>
+              <a:t> </a:t>
+            </a:r>
+            <a:r>
+              <a:rPr lang="en-US" altLang="zh-CN" sz="2800" b="1" dirty="0" err="1">
+                <a:solidFill>
+                  <a:schemeClr val="tx1">
+                    <a:lumMod val="85000"/>
+                    <a:lumOff val="15000"/>
+                  </a:schemeClr>
+                </a:solidFill>
+                <a:latin typeface="Consolas" panose="020B0609020204030204" pitchFamily="49" charset="0"/>
+              </a:rPr>
+              <a:t>iv_loading</a:t>
+            </a:r>
+            <a:r>
+              <a:rPr lang="en-US" altLang="zh-CN" sz="2800" b="1" dirty="0">
+                <a:solidFill>
+                  <a:schemeClr val="tx1">
+                    <a:lumMod val="85000"/>
+                    <a:lumOff val="15000"/>
+                  </a:schemeClr>
+                </a:solidFill>
+                <a:latin typeface="Consolas" panose="020B0609020204030204" pitchFamily="49" charset="0"/>
+              </a:rPr>
+              <a:t> = </a:t>
+            </a:r>
+            <a:r>
+              <a:rPr lang="en-US" altLang="zh-CN" sz="2800" b="1" dirty="0" err="1">
+                <a:solidFill>
+                  <a:schemeClr val="tx1">
+                    <a:lumMod val="85000"/>
+                    <a:lumOff val="15000"/>
+                  </a:schemeClr>
+                </a:solidFill>
+                <a:latin typeface="Consolas" panose="020B0609020204030204" pitchFamily="49" charset="0"/>
+              </a:rPr>
+              <a:t>findViewById</a:t>
+            </a:r>
+            <a:r>
+              <a:rPr lang="en-US" altLang="zh-CN" sz="2800" b="1" dirty="0">
+                <a:solidFill>
+                  <a:schemeClr val="tx1">
+                    <a:lumMod val="85000"/>
+                    <a:lumOff val="15000"/>
+                  </a:schemeClr>
+                </a:solidFill>
+                <a:latin typeface="Consolas" panose="020B0609020204030204" pitchFamily="49" charset="0"/>
+              </a:rPr>
+              <a:t>(</a:t>
+            </a:r>
+            <a:r>
+              <a:rPr lang="en-US" altLang="zh-CN" sz="2800" b="1" dirty="0" err="1">
+                <a:solidFill>
+                  <a:schemeClr val="tx1">
+                    <a:lumMod val="85000"/>
+                    <a:lumOff val="15000"/>
+                  </a:schemeClr>
+                </a:solidFill>
+                <a:latin typeface="Consolas" panose="020B0609020204030204" pitchFamily="49" charset="0"/>
+              </a:rPr>
+              <a:t>R.id.iv_loading</a:t>
+            </a:r>
+            <a:r>
+              <a:rPr lang="en-US" altLang="zh-CN" sz="2800" b="1" dirty="0">
+                <a:solidFill>
+                  <a:schemeClr val="tx1">
+                    <a:lumMod val="85000"/>
+                    <a:lumOff val="15000"/>
+                  </a:schemeClr>
+                </a:solidFill>
+                <a:latin typeface="Consolas" panose="020B0609020204030204" pitchFamily="49" charset="0"/>
+              </a:rPr>
+              <a:t>);</a:t>
             </a:r>
           </a:p>
           <a:p>
@@ -4416,7 +4500,7 @@
               <a:defRPr/>
             </a:pPr>
             <a:r>
-              <a:rPr lang="en-US" altLang="zh-CN" sz="2800" b="1" smtClean="0">
+              <a:rPr lang="en-US" altLang="zh-CN" sz="2800" b="1" dirty="0" err="1" smtClean="0">
                 <a:solidFill>
                   <a:schemeClr val="tx1">
                     <a:lumMod val="85000"/>
@@ -4425,10 +4509,10 @@
                 </a:solidFill>
                 <a:latin typeface="Consolas" panose="020B0609020204030204" pitchFamily="49" charset="0"/>
               </a:rPr>
-              <a:t>AnimationDrawable </a:t>
-            </a:r>
-            <a:r>
-              <a:rPr lang="en-US" altLang="zh-CN" sz="2800" b="1">
+              <a:t>AnimationDrawable</a:t>
+            </a:r>
+            <a:r>
+              <a:rPr lang="en-US" altLang="zh-CN" sz="2800" b="1" dirty="0" smtClean="0">
                 <a:solidFill>
                   <a:schemeClr val="tx1">
                     <a:lumMod val="85000"/>
@@ -4437,9 +4521,33 @@
                 </a:solidFill>
                 <a:latin typeface="Consolas" panose="020B0609020204030204" pitchFamily="49" charset="0"/>
               </a:rPr>
-              <a:t>loadingDrawable </a:t>
-            </a:r>
-            <a:endParaRPr lang="en-US" altLang="zh-CN" sz="2800" b="1" smtClean="0">
+              <a:t> </a:t>
+            </a:r>
+            <a:r>
+              <a:rPr lang="en-US" altLang="zh-CN" sz="2800" b="1" dirty="0" err="1">
+                <a:solidFill>
+                  <a:schemeClr val="tx1">
+                    <a:lumMod val="85000"/>
+                    <a:lumOff val="15000"/>
+                  </a:schemeClr>
+                </a:solidFill>
+                <a:latin typeface="Consolas" panose="020B0609020204030204" pitchFamily="49" charset="0"/>
+              </a:rPr>
+              <a:t>loadingDrawable</a:t>
+            </a:r>
+            <a:r>
+              <a:rPr lang="en-US" altLang="zh-CN" sz="2800" b="1" dirty="0">
+                <a:solidFill>
+                  <a:schemeClr val="tx1">
+                    <a:lumMod val="85000"/>
+                    <a:lumOff val="15000"/>
+                  </a:schemeClr>
+                </a:solidFill>
+                <a:latin typeface="Consolas" panose="020B0609020204030204" pitchFamily="49" charset="0"/>
+              </a:rPr>
+              <a:t> </a:t>
+            </a:r>
+            <a:endParaRPr lang="en-US" altLang="zh-CN" sz="2800" b="1" dirty="0" smtClean="0">
               <a:solidFill>
                 <a:schemeClr val="tx1">
                   <a:lumMod val="85000"/>
@@ -4454,7 +4562,7 @@
               <a:defRPr/>
             </a:pPr>
             <a:r>
-              <a:rPr lang="en-US" altLang="zh-CN" sz="2800" b="1" smtClean="0">
+              <a:rPr lang="en-US" altLang="zh-CN" sz="2800" b="1" dirty="0" smtClean="0">
                 <a:solidFill>
                   <a:schemeClr val="tx1">
                     <a:lumMod val="85000"/>
@@ -4466,7 +4574,7 @@
               <a:t>        =(</a:t>
             </a:r>
             <a:r>
-              <a:rPr lang="en-US" altLang="zh-CN" sz="2800" b="1">
+              <a:rPr lang="en-US" altLang="zh-CN" sz="2800" b="1" dirty="0" err="1">
                 <a:solidFill>
                   <a:schemeClr val="tx1">
                     <a:lumMod val="85000"/>
@@ -4475,7 +4583,43 @@
                 </a:solidFill>
                 <a:latin typeface="Consolas" panose="020B0609020204030204" pitchFamily="49" charset="0"/>
               </a:rPr>
-              <a:t>AnimationDrawable) iv_loading.getDrawable();</a:t>
+              <a:t>AnimationDrawable</a:t>
+            </a:r>
+            <a:r>
+              <a:rPr lang="en-US" altLang="zh-CN" sz="2800" b="1" dirty="0">
+                <a:solidFill>
+                  <a:schemeClr val="tx1">
+                    <a:lumMod val="85000"/>
+                    <a:lumOff val="15000"/>
+                  </a:schemeClr>
+                </a:solidFill>
+                <a:latin typeface="Consolas" panose="020B0609020204030204" pitchFamily="49" charset="0"/>
+              </a:rPr>
+              <a:t>) </a:t>
+            </a:r>
+            <a:r>
+              <a:rPr lang="en-US" altLang="zh-CN" sz="2800" b="1" dirty="0" err="1">
+                <a:solidFill>
+                  <a:schemeClr val="tx1">
+                    <a:lumMod val="85000"/>
+                    <a:lumOff val="15000"/>
+                  </a:schemeClr>
+                </a:solidFill>
+                <a:latin typeface="Consolas" panose="020B0609020204030204" pitchFamily="49" charset="0"/>
+              </a:rPr>
+              <a:t>iv_loading.getDrawable</a:t>
+            </a:r>
+            <a:r>
+              <a:rPr lang="en-US" altLang="zh-CN" sz="2800" b="1" dirty="0">
+                <a:solidFill>
+                  <a:schemeClr val="tx1">
+                    <a:lumMod val="85000"/>
+                    <a:lumOff val="15000"/>
+                  </a:schemeClr>
+                </a:solidFill>
+                <a:latin typeface="Consolas" panose="020B0609020204030204" pitchFamily="49" charset="0"/>
+              </a:rPr>
+              <a:t>();</a:t>
             </a:r>
           </a:p>
           <a:p>
@@ -4483,7 +4627,7 @@
               <a:defRPr/>
             </a:pPr>
             <a:r>
-              <a:rPr lang="en-US" altLang="zh-CN" sz="2800" b="1" smtClean="0">
+              <a:rPr lang="en-US" altLang="zh-CN" sz="2800" b="1" dirty="0" err="1" smtClean="0">
                 <a:solidFill>
                   <a:schemeClr val="tx1">
                     <a:lumMod val="85000"/>
@@ -4492,10 +4636,22 @@
                 </a:solidFill>
                 <a:latin typeface="Consolas" panose="020B0609020204030204" pitchFamily="49" charset="0"/>
               </a:rPr>
-              <a:t>loadingDrawable.start();   </a:t>
-            </a:r>
-            <a:r>
-              <a:rPr lang="en-US" altLang="zh-CN" sz="2800" b="1" smtClean="0">
+              <a:t>loadingDrawable.start</a:t>
+            </a:r>
+            <a:r>
+              <a:rPr lang="en-US" altLang="zh-CN" sz="2800" b="1" dirty="0" smtClean="0">
+                <a:solidFill>
+                  <a:schemeClr val="tx1">
+                    <a:lumMod val="85000"/>
+                    <a:lumOff val="15000"/>
+                  </a:schemeClr>
+                </a:solidFill>
+                <a:latin typeface="Consolas" panose="020B0609020204030204" pitchFamily="49" charset="0"/>
+              </a:rPr>
+              <a:t>();   </a:t>
+            </a:r>
+            <a:r>
+              <a:rPr lang="en-US" altLang="zh-CN" sz="2800" b="1" dirty="0" smtClean="0">
                 <a:solidFill>
                   <a:srgbClr val="00B050"/>
                 </a:solidFill>
@@ -4504,7 +4660,7 @@
               <a:t>//</a:t>
             </a:r>
             <a:r>
-              <a:rPr lang="en-US" altLang="zh-CN" sz="2800" b="1" smtClean="0">
+              <a:rPr lang="en-US" altLang="zh-CN" sz="2800" b="1" dirty="0" smtClean="0">
                 <a:solidFill>
                   <a:schemeClr val="tx1">
                     <a:lumMod val="85000"/>
@@ -4516,7 +4672,7 @@
               <a:t> </a:t>
             </a:r>
             <a:r>
-              <a:rPr lang="zh-CN" altLang="en-US" sz="2800" smtClean="0">
+              <a:rPr lang="zh-CN" altLang="en-US" sz="2800" dirty="0" smtClean="0">
                 <a:solidFill>
                   <a:srgbClr val="00B050"/>
                 </a:solidFill>
@@ -4525,7 +4681,7 @@
               </a:rPr>
               <a:t>开始动画</a:t>
             </a:r>
-            <a:endParaRPr lang="en-US" altLang="zh-CN" sz="2800" smtClean="0">
+            <a:endParaRPr lang="en-US" altLang="zh-CN" sz="2800" dirty="0" smtClean="0">
               <a:solidFill>
                 <a:srgbClr val="00B050"/>
               </a:solidFill>
@@ -4538,7 +4694,7 @@
               <a:defRPr/>
             </a:pPr>
             <a:r>
-              <a:rPr lang="en-US" altLang="zh-CN" sz="2800" b="1" smtClean="0">
+              <a:rPr lang="en-US" altLang="zh-CN" sz="2800" b="1" dirty="0" smtClean="0">
                 <a:solidFill>
                   <a:srgbClr val="00B050"/>
                 </a:solidFill>
@@ -4547,25 +4703,34 @@
               <a:t>// </a:t>
             </a:r>
             <a:r>
-              <a:rPr lang="en-US" altLang="zh-CN" sz="2800" smtClean="0">
+              <a:rPr lang="en-US" altLang="zh-CN" sz="2800" dirty="0" err="1" smtClean="0">
                 <a:solidFill>
                   <a:srgbClr val="00B050"/>
                 </a:solidFill>
                 <a:latin typeface="Consolas" panose="020B0609020204030204" pitchFamily="49" charset="0"/>
               </a:rPr>
-              <a:t>loadingDrawable.stop(); </a:t>
-            </a:r>
-            <a:r>
-              <a:rPr lang="en-US" altLang="zh-CN" sz="2800" b="1">
+              <a:t>loadingDrawable.stop</a:t>
+            </a:r>
+            <a:r>
+              <a:rPr lang="en-US" altLang="zh-CN" sz="2800" dirty="0" smtClean="0">
                 <a:solidFill>
                   <a:srgbClr val="00B050"/>
                 </a:solidFill>
                 <a:latin typeface="Consolas" panose="020B0609020204030204" pitchFamily="49" charset="0"/>
               </a:rPr>
+              <a:t>(); </a:t>
+            </a:r>
+            <a:r>
+              <a:rPr lang="en-US" altLang="zh-CN" sz="2800" b="1" dirty="0">
+                <a:solidFill>
+                  <a:srgbClr val="00B050"/>
+                </a:solidFill>
+                <a:latin typeface="Consolas" panose="020B0609020204030204" pitchFamily="49" charset="0"/>
+              </a:rPr>
               <a:t>//</a:t>
             </a:r>
             <a:r>
-              <a:rPr lang="en-US" altLang="zh-CN" sz="2800" smtClean="0">
+              <a:rPr lang="en-US" altLang="zh-CN" sz="2800" dirty="0" smtClean="0">
                 <a:solidFill>
                   <a:srgbClr val="00B050"/>
                 </a:solidFill>
@@ -4574,7 +4739,7 @@
               <a:t> </a:t>
             </a:r>
             <a:r>
-              <a:rPr lang="zh-CN" altLang="en-US" sz="2800" smtClean="0">
+              <a:rPr lang="zh-CN" altLang="en-US" sz="2800" dirty="0" smtClean="0">
                 <a:solidFill>
                   <a:srgbClr val="00B050"/>
                 </a:solidFill>
@@ -4583,7 +4748,7 @@
               </a:rPr>
               <a:t>停止动画</a:t>
             </a:r>
-            <a:endParaRPr lang="en-US" altLang="zh-CN" sz="2800">
+            <a:endParaRPr lang="en-US" altLang="zh-CN" sz="2800" dirty="0">
               <a:solidFill>
                 <a:srgbClr val="00B050"/>
               </a:solidFill>
@@ -4648,7 +4813,7 @@
           <a:lstStyle/>
           <a:p>
             <a:r>
-              <a:rPr lang="zh-CN" altLang="en-US" smtClean="0"/>
+              <a:rPr lang="zh-CN" altLang="en-US" dirty="0" smtClean="0"/>
               <a:t>补充：</a:t>
             </a:r>
             <a:r>
@@ -4656,19 +4821,19 @@
               <a:t>J</a:t>
             </a:r>
             <a:r>
-              <a:rPr lang="en-US" altLang="zh-CN" smtClean="0"/>
+              <a:rPr lang="en-US" altLang="zh-CN" dirty="0" smtClean="0"/>
               <a:t>ava</a:t>
             </a:r>
             <a:r>
-              <a:rPr lang="zh-CN" altLang="en-US" smtClean="0"/>
+              <a:rPr lang="zh-CN" altLang="en-US" dirty="0" smtClean="0"/>
               <a:t>代码实现</a:t>
             </a:r>
             <a:r>
-              <a:rPr lang="en-US" altLang="zh-CN" smtClean="0"/>
+              <a:rPr lang="en-US" altLang="zh-CN" dirty="0" smtClean="0"/>
               <a:t>Frame</a:t>
             </a:r>
             <a:r>
-              <a:rPr lang="zh-CN" altLang="en-US" smtClean="0"/>
+              <a:rPr lang="zh-CN" altLang="en-US" dirty="0" smtClean="0"/>
               <a:t>动画</a:t>
             </a:r>
             <a:endParaRPr lang="zh-CN" altLang="en-US" dirty="0"/>
@@ -7810,17 +7975,6 @@
               </a:spcAft>
             </a:pPr>
             <a:r>
-              <a:rPr lang="zh-CN" altLang="en-US" sz="3200" smtClean="0">
-                <a:solidFill>
-                  <a:schemeClr val="tx1">
-                    <a:lumMod val="85000"/>
-                    <a:lumOff val="15000"/>
-                  </a:schemeClr>
-                </a:solidFill>
-              </a:rPr>
-              <a:t>实例</a:t>
-            </a:r>
-            <a:r>
               <a:rPr lang="zh-CN" altLang="en-US" sz="3200" dirty="0" smtClean="0">
                 <a:solidFill>
                   <a:schemeClr val="tx1">
@@ -7829,7 +7983,7 @@
                   </a:schemeClr>
                 </a:solidFill>
               </a:rPr>
-              <a:t>：在</a:t>
+              <a:t>实例：在</a:t>
             </a:r>
             <a:r>
               <a:rPr lang="en-US" altLang="zh-CN" sz="3200" dirty="0" smtClean="0">
@@ -7851,18 +8005,7 @@
                   </a:schemeClr>
                 </a:solidFill>
               </a:rPr>
-              <a:t>文件</a:t>
-            </a:r>
-            <a:r>
-              <a:rPr lang="zh-CN" altLang="en-US" sz="3200" smtClean="0">
-                <a:solidFill>
-                  <a:schemeClr val="tx1">
-                    <a:lumMod val="85000"/>
-                    <a:lumOff val="15000"/>
-                  </a:schemeClr>
-                </a:solidFill>
-              </a:rPr>
-              <a:t>中设置动画效果。</a:t>
+              <a:t>文件中设置动画效果。</a:t>
             </a:r>
             <a:endParaRPr lang="en-US" altLang="zh-CN" sz="3200" dirty="0" smtClean="0">
               <a:solidFill>
@@ -9181,21 +9324,21 @@
                 <a:gridCol w="2003474">
                   <a:extLst>
                     <a:ext uri="{9D8B030D-6E8A-4147-A177-3AD203B41FA5}">
-                      <a16:colId xmlns:a16="http://schemas.microsoft.com/office/drawing/2014/main" val="20000"/>
+                      <a16:colId xmlns:a16="http://schemas.microsoft.com/office/drawing/2014/main" xmlns="" val="20000"/>
                     </a:ext>
                   </a:extLst>
                 </a:gridCol>
                 <a:gridCol w="2337386">
                   <a:extLst>
                     <a:ext uri="{9D8B030D-6E8A-4147-A177-3AD203B41FA5}">
-                      <a16:colId xmlns:a16="http://schemas.microsoft.com/office/drawing/2014/main" val="1568519663"/>
+                      <a16:colId xmlns:a16="http://schemas.microsoft.com/office/drawing/2014/main" xmlns="" val="1568519663"/>
                     </a:ext>
                   </a:extLst>
                 </a:gridCol>
                 <a:gridCol w="5235337">
                   <a:extLst>
                     <a:ext uri="{9D8B030D-6E8A-4147-A177-3AD203B41FA5}">
-                      <a16:colId xmlns:a16="http://schemas.microsoft.com/office/drawing/2014/main" val="20001"/>
+                      <a16:colId xmlns:a16="http://schemas.microsoft.com/office/drawing/2014/main" xmlns="" val="20001"/>
                     </a:ext>
                   </a:extLst>
                 </a:gridCol>
@@ -9446,7 +9589,7 @@
                 </a:tc>
                 <a:extLst>
                   <a:ext uri="{0D108BD9-81ED-4DB2-BD59-A6C34878D82A}">
-                    <a16:rowId xmlns:a16="http://schemas.microsoft.com/office/drawing/2014/main" val="10000"/>
+                    <a16:rowId xmlns:a16="http://schemas.microsoft.com/office/drawing/2014/main" xmlns="" val="10000"/>
                   </a:ext>
                 </a:extLst>
               </a:tr>
@@ -9710,7 +9853,7 @@
                 </a:tc>
                 <a:extLst>
                   <a:ext uri="{0D108BD9-81ED-4DB2-BD59-A6C34878D82A}">
-                    <a16:rowId xmlns:a16="http://schemas.microsoft.com/office/drawing/2014/main" val="10001"/>
+                    <a16:rowId xmlns:a16="http://schemas.microsoft.com/office/drawing/2014/main" xmlns="" val="10001"/>
                   </a:ext>
                 </a:extLst>
               </a:tr>
@@ -9958,7 +10101,7 @@
                 </a:tc>
                 <a:extLst>
                   <a:ext uri="{0D108BD9-81ED-4DB2-BD59-A6C34878D82A}">
-                    <a16:rowId xmlns:a16="http://schemas.microsoft.com/office/drawing/2014/main" val="10002"/>
+                    <a16:rowId xmlns:a16="http://schemas.microsoft.com/office/drawing/2014/main" xmlns="" val="10002"/>
                   </a:ext>
                 </a:extLst>
               </a:tr>
@@ -10206,7 +10349,7 @@
                 </a:tc>
                 <a:extLst>
                   <a:ext uri="{0D108BD9-81ED-4DB2-BD59-A6C34878D82A}">
-                    <a16:rowId xmlns:a16="http://schemas.microsoft.com/office/drawing/2014/main" val="3068611813"/>
+                    <a16:rowId xmlns:a16="http://schemas.microsoft.com/office/drawing/2014/main" xmlns="" val="3068611813"/>
                   </a:ext>
                 </a:extLst>
               </a:tr>
@@ -10454,7 +10597,7 @@
                 </a:tc>
                 <a:extLst>
                   <a:ext uri="{0D108BD9-81ED-4DB2-BD59-A6C34878D82A}">
-                    <a16:rowId xmlns:a16="http://schemas.microsoft.com/office/drawing/2014/main" val="10005"/>
+                    <a16:rowId xmlns:a16="http://schemas.microsoft.com/office/drawing/2014/main" xmlns="" val="10005"/>
                   </a:ext>
                 </a:extLst>
               </a:tr>
@@ -10718,7 +10861,7 @@
                 </a:tc>
                 <a:extLst>
                   <a:ext uri="{0D108BD9-81ED-4DB2-BD59-A6C34878D82A}">
-                    <a16:rowId xmlns:a16="http://schemas.microsoft.com/office/drawing/2014/main" val="10006"/>
+                    <a16:rowId xmlns:a16="http://schemas.microsoft.com/office/drawing/2014/main" xmlns="" val="10006"/>
                   </a:ext>
                 </a:extLst>
               </a:tr>
@@ -10982,7 +11125,7 @@
                 </a:tc>
                 <a:extLst>
                   <a:ext uri="{0D108BD9-81ED-4DB2-BD59-A6C34878D82A}">
-                    <a16:rowId xmlns:a16="http://schemas.microsoft.com/office/drawing/2014/main" val="2574007439"/>
+                    <a16:rowId xmlns:a16="http://schemas.microsoft.com/office/drawing/2014/main" xmlns="" val="2574007439"/>
                   </a:ext>
                 </a:extLst>
               </a:tr>
@@ -11141,28 +11284,28 @@
                 <a:gridCol w="1831410">
                   <a:extLst>
                     <a:ext uri="{9D8B030D-6E8A-4147-A177-3AD203B41FA5}">
-                      <a16:colId xmlns:a16="http://schemas.microsoft.com/office/drawing/2014/main" val="3843783346"/>
+                      <a16:colId xmlns:a16="http://schemas.microsoft.com/office/drawing/2014/main" xmlns="" val="3843783346"/>
                     </a:ext>
                   </a:extLst>
                 </a:gridCol>
                 <a:gridCol w="3281158">
                   <a:extLst>
                     <a:ext uri="{9D8B030D-6E8A-4147-A177-3AD203B41FA5}">
-                      <a16:colId xmlns:a16="http://schemas.microsoft.com/office/drawing/2014/main" val="20000"/>
+                      <a16:colId xmlns:a16="http://schemas.microsoft.com/office/drawing/2014/main" xmlns="" val="20000"/>
                     </a:ext>
                   </a:extLst>
                 </a:gridCol>
                 <a:gridCol w="1152128">
                   <a:extLst>
                     <a:ext uri="{9D8B030D-6E8A-4147-A177-3AD203B41FA5}">
-                      <a16:colId xmlns:a16="http://schemas.microsoft.com/office/drawing/2014/main" val="1568519663"/>
+                      <a16:colId xmlns:a16="http://schemas.microsoft.com/office/drawing/2014/main" xmlns="" val="1568519663"/>
                     </a:ext>
                   </a:extLst>
                 </a:gridCol>
                 <a:gridCol w="4320480">
                   <a:extLst>
                     <a:ext uri="{9D8B030D-6E8A-4147-A177-3AD203B41FA5}">
-                      <a16:colId xmlns:a16="http://schemas.microsoft.com/office/drawing/2014/main" val="20001"/>
+                      <a16:colId xmlns:a16="http://schemas.microsoft.com/office/drawing/2014/main" xmlns="" val="20001"/>
                     </a:ext>
                   </a:extLst>
                 </a:gridCol>
@@ -11494,7 +11637,7 @@
                 </a:tc>
                 <a:extLst>
                   <a:ext uri="{0D108BD9-81ED-4DB2-BD59-A6C34878D82A}">
-                    <a16:rowId xmlns:a16="http://schemas.microsoft.com/office/drawing/2014/main" val="10000"/>
+                    <a16:rowId xmlns:a16="http://schemas.microsoft.com/office/drawing/2014/main" xmlns="" val="10000"/>
                   </a:ext>
                 </a:extLst>
               </a:tr>
@@ -11856,7 +11999,7 @@
                 </a:tc>
                 <a:extLst>
                   <a:ext uri="{0D108BD9-81ED-4DB2-BD59-A6C34878D82A}">
-                    <a16:rowId xmlns:a16="http://schemas.microsoft.com/office/drawing/2014/main" val="10001"/>
+                    <a16:rowId xmlns:a16="http://schemas.microsoft.com/office/drawing/2014/main" xmlns="" val="10001"/>
                   </a:ext>
                 </a:extLst>
               </a:tr>
@@ -12325,7 +12468,7 @@
                 </a:tc>
                 <a:extLst>
                   <a:ext uri="{0D108BD9-81ED-4DB2-BD59-A6C34878D82A}">
-                    <a16:rowId xmlns:a16="http://schemas.microsoft.com/office/drawing/2014/main" val="10002"/>
+                    <a16:rowId xmlns:a16="http://schemas.microsoft.com/office/drawing/2014/main" xmlns="" val="10002"/>
                   </a:ext>
                 </a:extLst>
               </a:tr>
@@ -12794,7 +12937,7 @@
                 </a:tc>
                 <a:extLst>
                   <a:ext uri="{0D108BD9-81ED-4DB2-BD59-A6C34878D82A}">
-                    <a16:rowId xmlns:a16="http://schemas.microsoft.com/office/drawing/2014/main" val="3068611813"/>
+                    <a16:rowId xmlns:a16="http://schemas.microsoft.com/office/drawing/2014/main" xmlns="" val="3068611813"/>
                   </a:ext>
                 </a:extLst>
               </a:tr>
@@ -13148,7 +13291,7 @@
                 </a:tc>
                 <a:extLst>
                   <a:ext uri="{0D108BD9-81ED-4DB2-BD59-A6C34878D82A}">
-                    <a16:rowId xmlns:a16="http://schemas.microsoft.com/office/drawing/2014/main" val="10005"/>
+                    <a16:rowId xmlns:a16="http://schemas.microsoft.com/office/drawing/2014/main" xmlns="" val="10005"/>
                   </a:ext>
                 </a:extLst>
               </a:tr>
@@ -13534,7 +13677,7 @@
                 </a:tc>
                 <a:extLst>
                   <a:ext uri="{0D108BD9-81ED-4DB2-BD59-A6C34878D82A}">
-                    <a16:rowId xmlns:a16="http://schemas.microsoft.com/office/drawing/2014/main" val="2574007439"/>
+                    <a16:rowId xmlns:a16="http://schemas.microsoft.com/office/drawing/2014/main" xmlns="" val="2574007439"/>
                   </a:ext>
                 </a:extLst>
               </a:tr>
@@ -14785,18 +14928,7 @@
                   </a:schemeClr>
                 </a:solidFill>
               </a:rPr>
-              <a:t>平滑切换</a:t>
-            </a:r>
-            <a:r>
-              <a:rPr lang="zh-CN" altLang="en-US" sz="3200" smtClean="0">
-                <a:solidFill>
-                  <a:schemeClr val="tx1">
-                    <a:lumMod val="85000"/>
-                    <a:lumOff val="15000"/>
-                  </a:schemeClr>
-                </a:solidFill>
-              </a:rPr>
-              <a:t>。</a:t>
+              <a:t>平滑切换。</a:t>
             </a:r>
             <a:endParaRPr lang="en-US" altLang="zh-CN" sz="3200" dirty="0">
               <a:solidFill>
@@ -19637,14 +19769,14 @@
                 <a:gridCol w="3960441">
                   <a:extLst>
                     <a:ext uri="{9D8B030D-6E8A-4147-A177-3AD203B41FA5}">
-                      <a16:colId xmlns:a16="http://schemas.microsoft.com/office/drawing/2014/main" val="3843783346"/>
+                      <a16:colId xmlns:a16="http://schemas.microsoft.com/office/drawing/2014/main" xmlns="" val="3843783346"/>
                     </a:ext>
                   </a:extLst>
                 </a:gridCol>
                 <a:gridCol w="5904655">
                   <a:extLst>
                     <a:ext uri="{9D8B030D-6E8A-4147-A177-3AD203B41FA5}">
-                      <a16:colId xmlns:a16="http://schemas.microsoft.com/office/drawing/2014/main" val="20001"/>
+                      <a16:colId xmlns:a16="http://schemas.microsoft.com/office/drawing/2014/main" xmlns="" val="20001"/>
                     </a:ext>
                   </a:extLst>
                 </a:gridCol>
@@ -19802,7 +19934,7 @@
                 </a:tc>
                 <a:extLst>
                   <a:ext uri="{0D108BD9-81ED-4DB2-BD59-A6C34878D82A}">
-                    <a16:rowId xmlns:a16="http://schemas.microsoft.com/office/drawing/2014/main" val="10000"/>
+                    <a16:rowId xmlns:a16="http://schemas.microsoft.com/office/drawing/2014/main" xmlns="" val="10000"/>
                   </a:ext>
                 </a:extLst>
               </a:tr>
@@ -19984,7 +20116,7 @@
                 </a:tc>
                 <a:extLst>
                   <a:ext uri="{0D108BD9-81ED-4DB2-BD59-A6C34878D82A}">
-                    <a16:rowId xmlns:a16="http://schemas.microsoft.com/office/drawing/2014/main" val="10001"/>
+                    <a16:rowId xmlns:a16="http://schemas.microsoft.com/office/drawing/2014/main" xmlns="" val="10001"/>
                   </a:ext>
                 </a:extLst>
               </a:tr>
@@ -20138,7 +20270,7 @@
                 </a:tc>
                 <a:extLst>
                   <a:ext uri="{0D108BD9-81ED-4DB2-BD59-A6C34878D82A}">
-                    <a16:rowId xmlns:a16="http://schemas.microsoft.com/office/drawing/2014/main" val="10002"/>
+                    <a16:rowId xmlns:a16="http://schemas.microsoft.com/office/drawing/2014/main" xmlns="" val="10002"/>
                   </a:ext>
                 </a:extLst>
               </a:tr>
@@ -20292,7 +20424,7 @@
                 </a:tc>
                 <a:extLst>
                   <a:ext uri="{0D108BD9-81ED-4DB2-BD59-A6C34878D82A}">
-                    <a16:rowId xmlns:a16="http://schemas.microsoft.com/office/drawing/2014/main" val="3068611813"/>
+                    <a16:rowId xmlns:a16="http://schemas.microsoft.com/office/drawing/2014/main" xmlns="" val="3068611813"/>
                   </a:ext>
                 </a:extLst>
               </a:tr>
@@ -20474,7 +20606,7 @@
                 </a:tc>
                 <a:extLst>
                   <a:ext uri="{0D108BD9-81ED-4DB2-BD59-A6C34878D82A}">
-                    <a16:rowId xmlns:a16="http://schemas.microsoft.com/office/drawing/2014/main" val="10005"/>
+                    <a16:rowId xmlns:a16="http://schemas.microsoft.com/office/drawing/2014/main" xmlns="" val="10005"/>
                   </a:ext>
                 </a:extLst>
               </a:tr>
@@ -20631,7 +20763,7 @@
                 </a:tc>
                 <a:extLst>
                   <a:ext uri="{0D108BD9-81ED-4DB2-BD59-A6C34878D82A}">
-                    <a16:rowId xmlns:a16="http://schemas.microsoft.com/office/drawing/2014/main" val="2574007439"/>
+                    <a16:rowId xmlns:a16="http://schemas.microsoft.com/office/drawing/2014/main" xmlns="" val="2574007439"/>
                   </a:ext>
                 </a:extLst>
               </a:tr>
@@ -22349,7 +22481,7 @@
               </a:spcAft>
             </a:pPr>
             <a:r>
-              <a:rPr lang="zh-CN" altLang="en-US" sz="3200">
+              <a:rPr lang="zh-CN" altLang="en-US" sz="3200" dirty="0">
                 <a:solidFill>
                   <a:schemeClr val="tx1">
                     <a:lumMod val="85000"/>
@@ -22360,7 +22492,7 @@
               <a:t>属性动画（</a:t>
             </a:r>
             <a:r>
-              <a:rPr lang="en-US" altLang="zh-CN" sz="3200">
+              <a:rPr lang="en-US" altLang="zh-CN" sz="3200" dirty="0">
                 <a:solidFill>
                   <a:schemeClr val="tx1">
                     <a:lumMod val="85000"/>
@@ -22371,7 +22503,7 @@
               <a:t>Property Animation</a:t>
             </a:r>
             <a:r>
-              <a:rPr lang="zh-CN" altLang="en-US" sz="3200">
+              <a:rPr lang="zh-CN" altLang="en-US" sz="3200" dirty="0">
                 <a:solidFill>
                   <a:schemeClr val="tx1">
                     <a:lumMod val="85000"/>
@@ -22382,7 +22514,7 @@
               <a:t>）是在 </a:t>
             </a:r>
             <a:r>
-              <a:rPr lang="en-US" altLang="zh-CN" sz="3200">
+              <a:rPr lang="en-US" altLang="zh-CN" sz="3200" dirty="0">
                 <a:solidFill>
                   <a:schemeClr val="tx1">
                     <a:lumMod val="85000"/>
@@ -22393,7 +22525,7 @@
               <a:t>Android 3.0</a:t>
             </a:r>
             <a:r>
-              <a:rPr lang="zh-CN" altLang="en-US" sz="3200">
+              <a:rPr lang="zh-CN" altLang="en-US" sz="3200" dirty="0">
                 <a:solidFill>
                   <a:schemeClr val="tx1">
                     <a:lumMod val="85000"/>
@@ -22404,7 +22536,7 @@
               <a:t>（</a:t>
             </a:r>
             <a:r>
-              <a:rPr lang="en-US" altLang="zh-CN" sz="3200">
+              <a:rPr lang="en-US" altLang="zh-CN" sz="3200" dirty="0">
                 <a:solidFill>
                   <a:schemeClr val="tx1">
                     <a:lumMod val="85000"/>
@@ -22415,7 +22547,7 @@
               <a:t>API 11</a:t>
             </a:r>
             <a:r>
-              <a:rPr lang="zh-CN" altLang="en-US" sz="3200">
+              <a:rPr lang="zh-CN" altLang="en-US" sz="3200" dirty="0">
                 <a:solidFill>
                   <a:schemeClr val="tx1">
                     <a:lumMod val="85000"/>
@@ -22426,7 +22558,7 @@
               <a:t>）</a:t>
             </a:r>
             <a:r>
-              <a:rPr lang="zh-CN" altLang="en-US" sz="3200" smtClean="0">
+              <a:rPr lang="zh-CN" altLang="en-US" sz="3200" dirty="0" smtClean="0">
                 <a:solidFill>
                   <a:schemeClr val="tx1">
                     <a:lumMod val="85000"/>
@@ -22437,7 +22569,7 @@
               <a:t>后为了</a:t>
             </a:r>
             <a:r>
-              <a:rPr lang="zh-CN" altLang="en-US" sz="3200">
+              <a:rPr lang="zh-CN" altLang="en-US" sz="3200" dirty="0">
                 <a:solidFill>
                   <a:schemeClr val="tx1">
                     <a:lumMod val="85000"/>
@@ -22448,7 +22580,7 @@
               <a:t>弥补补间动画的</a:t>
             </a:r>
             <a:r>
-              <a:rPr lang="zh-CN" altLang="en-US" sz="3200" smtClean="0">
+              <a:rPr lang="zh-CN" altLang="en-US" sz="3200" dirty="0" smtClean="0">
                 <a:solidFill>
                   <a:schemeClr val="tx1">
                     <a:lumMod val="85000"/>
@@ -22459,7 +22591,7 @@
               <a:t>缺陷</a:t>
             </a:r>
             <a:r>
-              <a:rPr lang="zh-CN" altLang="en-US" sz="3200">
+              <a:rPr lang="zh-CN" altLang="en-US" sz="3200" dirty="0">
                 <a:solidFill>
                   <a:schemeClr val="tx1">
                     <a:lumMod val="85000"/>
@@ -22470,7 +22602,7 @@
               <a:t>才提供的一种全新动画</a:t>
             </a:r>
             <a:r>
-              <a:rPr lang="zh-CN" altLang="en-US" sz="3200" smtClean="0">
+              <a:rPr lang="zh-CN" altLang="en-US" sz="3200" dirty="0" smtClean="0">
                 <a:solidFill>
                   <a:schemeClr val="tx1">
                     <a:lumMod val="85000"/>
@@ -22480,7 +22612,7 @@
               </a:rPr>
               <a:t>模式。</a:t>
             </a:r>
-            <a:endParaRPr lang="en-US" altLang="zh-CN" sz="3200" smtClean="0">
+            <a:endParaRPr lang="en-US" altLang="zh-CN" sz="3200" dirty="0" smtClean="0">
               <a:solidFill>
                 <a:schemeClr val="tx1">
                   <a:lumMod val="85000"/>
@@ -22496,7 +22628,7 @@
               </a:spcAft>
             </a:pPr>
             <a:r>
-              <a:rPr lang="zh-CN" altLang="en-US" sz="3200" smtClean="0">
+              <a:rPr lang="zh-CN" altLang="en-US" sz="3200" dirty="0" smtClean="0">
                 <a:solidFill>
                   <a:schemeClr val="tx1">
                     <a:lumMod val="85000"/>
@@ -22521,7 +22653,7 @@
               <a:buAutoNum type="arabicPeriod"/>
             </a:pPr>
             <a:r>
-              <a:rPr lang="zh-CN" altLang="en-US" sz="2800">
+              <a:rPr lang="zh-CN" altLang="en-US" sz="2800" dirty="0">
                 <a:solidFill>
                   <a:schemeClr val="tx1">
                     <a:lumMod val="85000"/>
@@ -22532,18 +22664,62 @@
               <a:t>作用对象</a:t>
             </a:r>
             <a:r>
-              <a:rPr lang="zh-CN" altLang="en-US" sz="2800" smtClean="0">
-                <a:solidFill>
-                  <a:schemeClr val="tx1">
-                    <a:lumMod val="85000"/>
-                    <a:lumOff val="15000"/>
-                  </a:schemeClr>
-                </a:solidFill>
-              </a:rPr>
-              <a:t>局限，智能作用</a:t>
-            </a:r>
-            <a:r>
-              <a:rPr lang="en-US" altLang="zh-CN" sz="2800" smtClean="0">
+              <a:rPr lang="zh-CN" altLang="en-US" sz="2800" dirty="0" smtClean="0">
+                <a:solidFill>
+                  <a:schemeClr val="tx1">
+                    <a:lumMod val="85000"/>
+                    <a:lumOff val="15000"/>
+                  </a:schemeClr>
+                </a:solidFill>
+              </a:rPr>
+              <a:t>局限</a:t>
+            </a:r>
+            <a:r>
+              <a:rPr lang="zh-CN" altLang="en-US" sz="2800" dirty="0" smtClean="0">
+                <a:solidFill>
+                  <a:schemeClr val="tx1">
+                    <a:lumMod val="85000"/>
+                    <a:lumOff val="15000"/>
+                  </a:schemeClr>
+                </a:solidFill>
+              </a:rPr>
+              <a:t>，</a:t>
+            </a:r>
+            <a:r>
+              <a:rPr lang="zh-CN" altLang="en-US" sz="2800" dirty="0">
+                <a:solidFill>
+                  <a:schemeClr val="tx1">
+                    <a:lumMod val="85000"/>
+                    <a:lumOff val="15000"/>
+                  </a:schemeClr>
+                </a:solidFill>
+              </a:rPr>
+              <a:t>只</a:t>
+            </a:r>
+            <a:r>
+              <a:rPr lang="zh-CN" altLang="en-US" sz="2800" dirty="0" smtClean="0">
+                <a:solidFill>
+                  <a:schemeClr val="tx1">
+                    <a:lumMod val="85000"/>
+                    <a:lumOff val="15000"/>
+                  </a:schemeClr>
+                </a:solidFill>
+              </a:rPr>
+              <a:t>能</a:t>
+            </a:r>
+            <a:r>
+              <a:rPr lang="zh-CN" altLang="en-US" sz="2800" dirty="0" smtClean="0">
+                <a:solidFill>
+                  <a:schemeClr val="tx1">
+                    <a:lumMod val="85000"/>
+                    <a:lumOff val="15000"/>
+                  </a:schemeClr>
+                </a:solidFill>
+              </a:rPr>
+              <a:t>作用</a:t>
+            </a:r>
+            <a:r>
+              <a:rPr lang="en-US" altLang="zh-CN" sz="2800" dirty="0" smtClean="0">
                 <a:solidFill>
                   <a:schemeClr val="tx1">
                     <a:lumMod val="85000"/>
@@ -22554,7 +22730,7 @@
               <a:t>View</a:t>
             </a:r>
             <a:r>
-              <a:rPr lang="zh-CN" altLang="en-US" sz="2800" smtClean="0">
+              <a:rPr lang="zh-CN" altLang="en-US" sz="2800" dirty="0" smtClean="0">
                 <a:solidFill>
                   <a:schemeClr val="tx1">
                     <a:lumMod val="85000"/>
@@ -22565,7 +22741,7 @@
               <a:t>上</a:t>
             </a:r>
             <a:r>
-              <a:rPr lang="zh-CN" altLang="en-US" sz="2800">
+              <a:rPr lang="zh-CN" altLang="en-US" sz="2800" dirty="0">
                 <a:solidFill>
                   <a:schemeClr val="tx1">
                     <a:lumMod val="85000"/>
@@ -22576,7 +22752,7 @@
               <a:t>，不能</a:t>
             </a:r>
             <a:r>
-              <a:rPr lang="zh-CN" altLang="en-US" sz="2800" smtClean="0">
+              <a:rPr lang="zh-CN" altLang="en-US" sz="2800" dirty="0" smtClean="0">
                 <a:solidFill>
                   <a:schemeClr val="tx1">
                     <a:lumMod val="85000"/>
@@ -22587,7 +22763,7 @@
               <a:t>作用非</a:t>
             </a:r>
             <a:r>
-              <a:rPr lang="en-US" altLang="zh-CN" sz="2800" smtClean="0">
+              <a:rPr lang="en-US" altLang="zh-CN" sz="2800" dirty="0" smtClean="0">
                 <a:solidFill>
                   <a:schemeClr val="tx1">
                     <a:lumMod val="85000"/>
@@ -22598,7 +22774,7 @@
               <a:t>View</a:t>
             </a:r>
             <a:r>
-              <a:rPr lang="zh-CN" altLang="en-US" sz="2800" smtClean="0">
+              <a:rPr lang="zh-CN" altLang="en-US" sz="2800" dirty="0" smtClean="0">
                 <a:solidFill>
                   <a:schemeClr val="tx1">
                     <a:lumMod val="85000"/>
@@ -22609,7 +22785,7 @@
               <a:t>对象</a:t>
             </a:r>
             <a:r>
-              <a:rPr lang="zh-CN" altLang="en-US" sz="2800">
+              <a:rPr lang="zh-CN" altLang="en-US" sz="2800" dirty="0">
                 <a:solidFill>
                   <a:schemeClr val="tx1">
                     <a:lumMod val="85000"/>
@@ -22634,7 +22810,7 @@
               <a:buAutoNum type="arabicPeriod"/>
             </a:pPr>
             <a:r>
-              <a:rPr lang="zh-CN" altLang="en-US" sz="2800" smtClean="0">
+              <a:rPr lang="zh-CN" altLang="en-US" sz="2800" dirty="0" smtClean="0">
                 <a:solidFill>
                   <a:schemeClr val="tx1">
                     <a:lumMod val="85000"/>
@@ -22645,7 +22821,7 @@
               <a:t>效果</a:t>
             </a:r>
             <a:r>
-              <a:rPr lang="zh-CN" altLang="en-US" sz="2800">
+              <a:rPr lang="zh-CN" altLang="en-US" sz="2800" dirty="0">
                 <a:solidFill>
                   <a:schemeClr val="tx1">
                     <a:lumMod val="85000"/>
@@ -22656,7 +22832,7 @@
               <a:t>单一，</a:t>
             </a:r>
             <a:r>
-              <a:rPr lang="zh-CN" altLang="en-US" sz="2800" smtClean="0">
+              <a:rPr lang="zh-CN" altLang="en-US" sz="2800" dirty="0" smtClean="0">
                 <a:solidFill>
                   <a:schemeClr val="tx1">
                     <a:lumMod val="85000"/>
@@ -22667,7 +22843,7 @@
               <a:t>只包含移动</a:t>
             </a:r>
             <a:r>
-              <a:rPr lang="zh-CN" altLang="en-US" sz="2800">
+              <a:rPr lang="zh-CN" altLang="en-US" sz="2800" dirty="0">
                 <a:solidFill>
                   <a:schemeClr val="tx1">
                     <a:lumMod val="85000"/>
@@ -22678,7 +22854,7 @@
               <a:t>、缩放、旋转、淡入</a:t>
             </a:r>
             <a:r>
-              <a:rPr lang="zh-CN" altLang="en-US" sz="2800" smtClean="0">
+              <a:rPr lang="zh-CN" altLang="en-US" sz="2800" dirty="0" smtClean="0">
                 <a:solidFill>
                   <a:schemeClr val="tx1">
                     <a:lumMod val="85000"/>
@@ -22703,7 +22879,7 @@
               <a:buAutoNum type="arabicPeriod"/>
             </a:pPr>
             <a:r>
-              <a:rPr lang="zh-CN" altLang="en-US" sz="2800">
+              <a:rPr lang="zh-CN" altLang="en-US" sz="2800" dirty="0">
                 <a:solidFill>
                   <a:schemeClr val="tx1">
                     <a:lumMod val="85000"/>
@@ -22714,7 +22890,7 @@
               <a:t>没有改变</a:t>
             </a:r>
             <a:r>
-              <a:rPr lang="en-US" altLang="zh-CN" sz="2800">
+              <a:rPr lang="en-US" altLang="zh-CN" sz="2800" dirty="0">
                 <a:solidFill>
                   <a:schemeClr val="tx1">
                     <a:lumMod val="85000"/>
@@ -22725,7 +22901,7 @@
               <a:t>View</a:t>
             </a:r>
             <a:r>
-              <a:rPr lang="zh-CN" altLang="en-US" sz="2800">
+              <a:rPr lang="zh-CN" altLang="en-US" sz="2800" dirty="0">
                 <a:solidFill>
                   <a:schemeClr val="tx1">
                     <a:lumMod val="85000"/>
@@ -22736,7 +22912,7 @@
               <a:t>的属性，只是改变视觉效果</a:t>
             </a:r>
             <a:r>
-              <a:rPr lang="zh-CN" altLang="en-US" sz="3200" smtClean="0">
+              <a:rPr lang="zh-CN" altLang="en-US" sz="3200" dirty="0" smtClean="0">
                 <a:solidFill>
                   <a:schemeClr val="tx1">
                     <a:lumMod val="85000"/>
@@ -23546,18 +23722,7 @@
                   </a:schemeClr>
                 </a:solidFill>
               </a:rPr>
-              <a:t>类型的</a:t>
-            </a:r>
-            <a:r>
-              <a:rPr lang="zh-CN" altLang="en-US" sz="3200">
-                <a:solidFill>
-                  <a:schemeClr val="tx1">
-                    <a:lumMod val="85000"/>
-                    <a:lumOff val="15000"/>
-                  </a:schemeClr>
-                </a:solidFill>
-              </a:rPr>
-              <a:t>参数</a:t>
+              <a:t>类型的参数</a:t>
             </a:r>
             <a:r>
               <a:rPr lang="zh-CN" altLang="en-US" sz="3200" smtClean="0">
@@ -23651,20 +23816,7 @@
                 <a:latin typeface="Consolas" panose="020B0609020204030204" pitchFamily="49" charset="0"/>
                 <a:ea typeface="微软雅黑" panose="020B0503020204020204" pitchFamily="34" charset="-122"/>
               </a:rPr>
-              <a:t>ValueAnimator anim = ValueAnimator.ofFloat(0f, </a:t>
-            </a:r>
-            <a:r>
-              <a:rPr lang="en-US" altLang="zh-CN" sz="2800" b="1">
-                <a:solidFill>
-                  <a:schemeClr val="tx1">
-                    <a:lumMod val="85000"/>
-                    <a:lumOff val="15000"/>
-                  </a:schemeClr>
-                </a:solidFill>
-                <a:latin typeface="Consolas" panose="020B0609020204030204" pitchFamily="49" charset="0"/>
-                <a:ea typeface="微软雅黑" panose="020B0503020204020204" pitchFamily="34" charset="-122"/>
-              </a:rPr>
-              <a:t>1f</a:t>
+              <a:t>ValueAnimator anim = ValueAnimator.ofFloat(0f, 1f</a:t>
             </a:r>
             <a:r>
               <a:rPr lang="en-US" altLang="zh-CN" sz="2800" b="1" smtClean="0">
@@ -24046,18 +24198,7 @@
                   </a:schemeClr>
                 </a:solidFill>
               </a:rPr>
-              <a:t>实例</a:t>
-            </a:r>
-            <a:r>
-              <a:rPr lang="zh-CN" altLang="en-US" sz="3200">
-                <a:solidFill>
-                  <a:schemeClr val="tx1">
-                    <a:lumMod val="85000"/>
-                    <a:lumOff val="15000"/>
-                  </a:schemeClr>
-                </a:solidFill>
-              </a:rPr>
-              <a:t>：</a:t>
+              <a:t>实例：</a:t>
             </a:r>
             <a:r>
               <a:rPr lang="zh-CN" altLang="en-US" sz="3200" smtClean="0">
@@ -24184,11 +24325,7 @@
             </a:r>
             <a:r>
               <a:rPr lang="zh-CN" altLang="en-US" smtClean="0"/>
-              <a:t>：</a:t>
-            </a:r>
-            <a:r>
-              <a:rPr lang="zh-CN" altLang="en-US" smtClean="0"/>
-              <a:t>创建动画并进行设置</a:t>
+              <a:t>：创建动画并进行设置</a:t>
             </a:r>
             <a:endParaRPr lang="zh-CN" altLang="en-US" dirty="0"/>
           </a:p>
@@ -24277,20 +24414,7 @@
                 <a:latin typeface="Consolas" panose="020B0609020204030204" pitchFamily="49" charset="0"/>
                 <a:ea typeface="微软雅黑" panose="020B0503020204020204" pitchFamily="34" charset="-122"/>
               </a:rPr>
-              <a:t>anim = ValueAnimator.ofInt(0</a:t>
-            </a:r>
-            <a:r>
-              <a:rPr lang="en-US" altLang="zh-CN" sz="2800" b="1">
-                <a:solidFill>
-                  <a:schemeClr val="tx1">
-                    <a:lumMod val="85000"/>
-                    <a:lumOff val="15000"/>
-                  </a:schemeClr>
-                </a:solidFill>
-                <a:latin typeface="Consolas" panose="020B0609020204030204" pitchFamily="49" charset="0"/>
-                <a:ea typeface="微软雅黑" panose="020B0503020204020204" pitchFamily="34" charset="-122"/>
-              </a:rPr>
-              <a:t>, </a:t>
+              <a:t>anim = ValueAnimator.ofInt(0, </a:t>
             </a:r>
             <a:r>
               <a:rPr lang="en-US" altLang="zh-CN" sz="2800" b="1" smtClean="0">
@@ -24774,16 +24898,6 @@
               </a:rPr>
               <a:t>);</a:t>
             </a:r>
-            <a:endParaRPr lang="en-US" altLang="zh-CN" sz="2800" b="1">
-              <a:solidFill>
-                <a:schemeClr val="tx1">
-                  <a:lumMod val="85000"/>
-                  <a:lumOff val="15000"/>
-                </a:schemeClr>
-              </a:solidFill>
-              <a:latin typeface="Consolas" panose="020B0609020204030204" pitchFamily="49" charset="0"/>
-              <a:ea typeface="微软雅黑" panose="020B0503020204020204" pitchFamily="34" charset="-122"/>
-            </a:endParaRPr>
           </a:p>
         </p:txBody>
       </p:sp>
@@ -25050,20 +25164,7 @@
                 <a:latin typeface="Consolas" panose="020B0609020204030204" pitchFamily="49" charset="0"/>
                 <a:ea typeface="微软雅黑" panose="020B0503020204020204" pitchFamily="34" charset="-122"/>
               </a:rPr>
-              <a:t>void </a:t>
-            </a:r>
-            <a:r>
-              <a:rPr lang="en-US" altLang="zh-CN" sz="2800" b="1">
-                <a:solidFill>
-                  <a:schemeClr val="tx1">
-                    <a:lumMod val="85000"/>
-                    <a:lumOff val="15000"/>
-                  </a:schemeClr>
-                </a:solidFill>
-                <a:latin typeface="Consolas" panose="020B0609020204030204" pitchFamily="49" charset="0"/>
-                <a:ea typeface="微软雅黑" panose="020B0503020204020204" pitchFamily="34" charset="-122"/>
-              </a:rPr>
-              <a:t>onAnimationUpdate</a:t>
+              <a:t>void onAnimationUpdate</a:t>
             </a:r>
             <a:r>
               <a:rPr lang="en-US" altLang="zh-CN" sz="2800" b="1" smtClean="0">
@@ -25158,17 +25259,7 @@
                 <a:latin typeface="Consolas" panose="020B0609020204030204" pitchFamily="49" charset="0"/>
                 <a:ea typeface="微软雅黑" panose="020B0503020204020204" pitchFamily="34" charset="-122"/>
               </a:rPr>
-              <a:t>获得改变后</a:t>
-            </a:r>
-            <a:r>
-              <a:rPr lang="zh-CN" altLang="en-US" sz="2800">
-                <a:solidFill>
-                  <a:srgbClr val="00B050"/>
-                </a:solidFill>
-                <a:latin typeface="Consolas" panose="020B0609020204030204" pitchFamily="49" charset="0"/>
-                <a:ea typeface="微软雅黑" panose="020B0503020204020204" pitchFamily="34" charset="-122"/>
-              </a:rPr>
-              <a:t>的</a:t>
+              <a:t>获得改变后的</a:t>
             </a:r>
             <a:r>
               <a:rPr lang="zh-CN" altLang="en-US" sz="2800" smtClean="0">
@@ -25242,20 +25333,7 @@
                 <a:latin typeface="Consolas" panose="020B0609020204030204" pitchFamily="49" charset="0"/>
                 <a:ea typeface="微软雅黑" panose="020B0503020204020204" pitchFamily="34" charset="-122"/>
               </a:rPr>
-              <a:t>(Integer</a:t>
-            </a:r>
-            <a:r>
-              <a:rPr lang="en-US" altLang="zh-CN" sz="2800" b="1">
-                <a:solidFill>
-                  <a:schemeClr val="tx1">
-                    <a:lumMod val="85000"/>
-                    <a:lumOff val="15000"/>
-                  </a:schemeClr>
-                </a:solidFill>
-                <a:latin typeface="Consolas" panose="020B0609020204030204" pitchFamily="49" charset="0"/>
-                <a:ea typeface="微软雅黑" panose="020B0503020204020204" pitchFamily="34" charset="-122"/>
-              </a:rPr>
-              <a:t>) </a:t>
+              <a:t>(Integer) </a:t>
             </a:r>
             <a:r>
               <a:rPr lang="en-US" altLang="zh-CN" sz="2800" b="1" smtClean="0">
@@ -25967,18 +26045,7 @@
                   </a:schemeClr>
                 </a:solidFill>
               </a:rPr>
-              <a:t>类，是直接对对象的属性值进行改变操作，从而实现</a:t>
-            </a:r>
-            <a:r>
-              <a:rPr lang="zh-CN" altLang="en-US" sz="3200">
-                <a:solidFill>
-                  <a:schemeClr val="tx1">
-                    <a:lumMod val="85000"/>
-                    <a:lumOff val="15000"/>
-                  </a:schemeClr>
-                </a:solidFill>
-              </a:rPr>
-              <a:t>动画</a:t>
+              <a:t>类，是直接对对象的属性值进行改变操作，从而实现动画</a:t>
             </a:r>
             <a:r>
               <a:rPr lang="zh-CN" altLang="en-US" sz="3200" smtClean="0">
@@ -26072,20 +26139,7 @@
                 <a:latin typeface="Consolas" panose="020B0609020204030204" pitchFamily="49" charset="0"/>
                 <a:ea typeface="微软雅黑" panose="020B0503020204020204" pitchFamily="34" charset="-122"/>
               </a:rPr>
-              <a:t>ObjectAnimator.ofFloat(Object object</a:t>
-            </a:r>
-            <a:r>
-              <a:rPr lang="en-US" altLang="zh-CN" sz="2800" b="1">
-                <a:solidFill>
-                  <a:schemeClr val="tx1">
-                    <a:lumMod val="85000"/>
-                    <a:lumOff val="15000"/>
-                  </a:schemeClr>
-                </a:solidFill>
-                <a:latin typeface="Consolas" panose="020B0609020204030204" pitchFamily="49" charset="0"/>
-                <a:ea typeface="微软雅黑" panose="020B0503020204020204" pitchFamily="34" charset="-122"/>
-              </a:rPr>
-              <a:t>, </a:t>
+              <a:t>ObjectAnimator.ofFloat(Object object, </a:t>
             </a:r>
             <a:endParaRPr lang="en-US" altLang="zh-CN" sz="2800" b="1" smtClean="0">
               <a:solidFill>
@@ -26139,20 +26193,7 @@
                 <a:latin typeface="Consolas" panose="020B0609020204030204" pitchFamily="49" charset="0"/>
                 <a:ea typeface="微软雅黑" panose="020B0503020204020204" pitchFamily="34" charset="-122"/>
               </a:rPr>
-              <a:t>property</a:t>
-            </a:r>
-            <a:r>
-              <a:rPr lang="en-US" altLang="zh-CN" sz="2800" b="1">
-                <a:solidFill>
-                  <a:schemeClr val="tx1">
-                    <a:lumMod val="85000"/>
-                    <a:lumOff val="15000"/>
-                  </a:schemeClr>
-                </a:solidFill>
-                <a:latin typeface="Consolas" panose="020B0609020204030204" pitchFamily="49" charset="0"/>
-                <a:ea typeface="微软雅黑" panose="020B0503020204020204" pitchFamily="34" charset="-122"/>
-              </a:rPr>
-              <a:t>, </a:t>
+              <a:t>property, </a:t>
             </a:r>
             <a:endParaRPr lang="en-US" altLang="zh-CN" sz="2800" b="1" smtClean="0">
               <a:solidFill>
@@ -26208,16 +26249,6 @@
               </a:rPr>
               <a:t>....values); </a:t>
             </a:r>
-            <a:endParaRPr lang="en-US" altLang="zh-CN" sz="2800" b="1">
-              <a:solidFill>
-                <a:schemeClr val="tx1">
-                  <a:lumMod val="85000"/>
-                  <a:lumOff val="15000"/>
-                </a:schemeClr>
-              </a:solidFill>
-              <a:latin typeface="Consolas" panose="020B0609020204030204" pitchFamily="49" charset="0"/>
-              <a:ea typeface="微软雅黑" panose="020B0503020204020204" pitchFamily="34" charset="-122"/>
-            </a:endParaRPr>
           </a:p>
         </p:txBody>
       </p:sp>
@@ -26427,18 +26458,7 @@
                   </a:schemeClr>
                 </a:solidFill>
               </a:rPr>
-              <a:t>需要操作</a:t>
-            </a:r>
-            <a:r>
-              <a:rPr lang="zh-CN" altLang="en-US" sz="3200">
-                <a:solidFill>
-                  <a:schemeClr val="tx1">
-                    <a:lumMod val="85000"/>
-                    <a:lumOff val="15000"/>
-                  </a:schemeClr>
-                </a:solidFill>
-              </a:rPr>
-              <a:t>的</a:t>
+              <a:t>需要操作的</a:t>
             </a:r>
             <a:r>
               <a:rPr lang="zh-CN" altLang="en-US" sz="3200" smtClean="0">
@@ -26497,18 +26517,7 @@
                   </a:schemeClr>
                 </a:solidFill>
               </a:rPr>
-              <a:t>：需要操作的对象</a:t>
-            </a:r>
-            <a:r>
-              <a:rPr lang="zh-CN" altLang="en-US" sz="3200">
-                <a:solidFill>
-                  <a:schemeClr val="tx1">
-                    <a:lumMod val="85000"/>
-                    <a:lumOff val="15000"/>
-                  </a:schemeClr>
-                </a:solidFill>
-              </a:rPr>
-              <a:t>的</a:t>
+              <a:t>：需要操作的对象的</a:t>
             </a:r>
             <a:r>
               <a:rPr lang="zh-CN" altLang="en-US" sz="3200" smtClean="0">
@@ -26611,18 +26620,7 @@
                   </a:schemeClr>
                 </a:solidFill>
               </a:rPr>
-              <a:t>结束值（不固定</a:t>
-            </a:r>
-            <a:r>
-              <a:rPr lang="zh-CN" altLang="en-US" sz="3200">
-                <a:solidFill>
-                  <a:schemeClr val="tx1">
-                    <a:lumMod val="85000"/>
-                    <a:lumOff val="15000"/>
-                  </a:schemeClr>
-                </a:solidFill>
-              </a:rPr>
-              <a:t>长度</a:t>
+              <a:t>结束值（不固定长度</a:t>
             </a:r>
             <a:r>
               <a:rPr lang="zh-CN" altLang="en-US" sz="3200" smtClean="0">
@@ -26795,21 +26793,21 @@
                 <a:gridCol w="2378023">
                   <a:extLst>
                     <a:ext uri="{9D8B030D-6E8A-4147-A177-3AD203B41FA5}">
-                      <a16:colId xmlns:a16="http://schemas.microsoft.com/office/drawing/2014/main" val="20000"/>
+                      <a16:colId xmlns:a16="http://schemas.microsoft.com/office/drawing/2014/main" xmlns="" val="20000"/>
                     </a:ext>
                   </a:extLst>
                 </a:gridCol>
                 <a:gridCol w="4104456">
                   <a:extLst>
                     <a:ext uri="{9D8B030D-6E8A-4147-A177-3AD203B41FA5}">
-                      <a16:colId xmlns:a16="http://schemas.microsoft.com/office/drawing/2014/main" val="1568519663"/>
+                      <a16:colId xmlns:a16="http://schemas.microsoft.com/office/drawing/2014/main" xmlns="" val="1568519663"/>
                     </a:ext>
                   </a:extLst>
                 </a:gridCol>
                 <a:gridCol w="2232248">
                   <a:extLst>
                     <a:ext uri="{9D8B030D-6E8A-4147-A177-3AD203B41FA5}">
-                      <a16:colId xmlns:a16="http://schemas.microsoft.com/office/drawing/2014/main" val="20001"/>
+                      <a16:colId xmlns:a16="http://schemas.microsoft.com/office/drawing/2014/main" xmlns="" val="20001"/>
                     </a:ext>
                   </a:extLst>
                 </a:gridCol>
@@ -27073,7 +27071,7 @@
                 </a:tc>
                 <a:extLst>
                   <a:ext uri="{0D108BD9-81ED-4DB2-BD59-A6C34878D82A}">
-                    <a16:rowId xmlns:a16="http://schemas.microsoft.com/office/drawing/2014/main" val="10000"/>
+                    <a16:rowId xmlns:a16="http://schemas.microsoft.com/office/drawing/2014/main" xmlns="" val="10000"/>
                   </a:ext>
                 </a:extLst>
               </a:tr>
@@ -27324,7 +27322,7 @@
                 </a:tc>
                 <a:extLst>
                   <a:ext uri="{0D108BD9-81ED-4DB2-BD59-A6C34878D82A}">
-                    <a16:rowId xmlns:a16="http://schemas.microsoft.com/office/drawing/2014/main" val="10001"/>
+                    <a16:rowId xmlns:a16="http://schemas.microsoft.com/office/drawing/2014/main" xmlns="" val="10001"/>
                   </a:ext>
                 </a:extLst>
               </a:tr>
@@ -27562,7 +27560,7 @@
                 </a:tc>
                 <a:extLst>
                   <a:ext uri="{0D108BD9-81ED-4DB2-BD59-A6C34878D82A}">
-                    <a16:rowId xmlns:a16="http://schemas.microsoft.com/office/drawing/2014/main" val="10002"/>
+                    <a16:rowId xmlns:a16="http://schemas.microsoft.com/office/drawing/2014/main" xmlns="" val="10002"/>
                   </a:ext>
                 </a:extLst>
               </a:tr>
@@ -27800,7 +27798,7 @@
                 </a:tc>
                 <a:extLst>
                   <a:ext uri="{0D108BD9-81ED-4DB2-BD59-A6C34878D82A}">
-                    <a16:rowId xmlns:a16="http://schemas.microsoft.com/office/drawing/2014/main" val="3068611813"/>
+                    <a16:rowId xmlns:a16="http://schemas.microsoft.com/office/drawing/2014/main" xmlns="" val="3068611813"/>
                   </a:ext>
                 </a:extLst>
               </a:tr>
@@ -28038,7 +28036,7 @@
                 </a:tc>
                 <a:extLst>
                   <a:ext uri="{0D108BD9-81ED-4DB2-BD59-A6C34878D82A}">
-                    <a16:rowId xmlns:a16="http://schemas.microsoft.com/office/drawing/2014/main" val="850900240"/>
+                    <a16:rowId xmlns:a16="http://schemas.microsoft.com/office/drawing/2014/main" xmlns="" val="850900240"/>
                   </a:ext>
                 </a:extLst>
               </a:tr>
@@ -28276,7 +28274,7 @@
                 </a:tc>
                 <a:extLst>
                   <a:ext uri="{0D108BD9-81ED-4DB2-BD59-A6C34878D82A}">
-                    <a16:rowId xmlns:a16="http://schemas.microsoft.com/office/drawing/2014/main" val="817552618"/>
+                    <a16:rowId xmlns:a16="http://schemas.microsoft.com/office/drawing/2014/main" xmlns="" val="817552618"/>
                   </a:ext>
                 </a:extLst>
               </a:tr>
@@ -28488,7 +28486,7 @@
                 </a:tc>
                 <a:extLst>
                   <a:ext uri="{0D108BD9-81ED-4DB2-BD59-A6C34878D82A}">
-                    <a16:rowId xmlns:a16="http://schemas.microsoft.com/office/drawing/2014/main" val="10005"/>
+                    <a16:rowId xmlns:a16="http://schemas.microsoft.com/office/drawing/2014/main" xmlns="" val="10005"/>
                   </a:ext>
                 </a:extLst>
               </a:tr>
@@ -28726,7 +28724,7 @@
                 </a:tc>
                 <a:extLst>
                   <a:ext uri="{0D108BD9-81ED-4DB2-BD59-A6C34878D82A}">
-                    <a16:rowId xmlns:a16="http://schemas.microsoft.com/office/drawing/2014/main" val="10006"/>
+                    <a16:rowId xmlns:a16="http://schemas.microsoft.com/office/drawing/2014/main" xmlns="" val="10006"/>
                   </a:ext>
                 </a:extLst>
               </a:tr>
@@ -28964,7 +28962,7 @@
                 </a:tc>
                 <a:extLst>
                   <a:ext uri="{0D108BD9-81ED-4DB2-BD59-A6C34878D82A}">
-                    <a16:rowId xmlns:a16="http://schemas.microsoft.com/office/drawing/2014/main" val="2574007439"/>
+                    <a16:rowId xmlns:a16="http://schemas.microsoft.com/office/drawing/2014/main" xmlns="" val="2574007439"/>
                   </a:ext>
                 </a:extLst>
               </a:tr>
@@ -29080,18 +29078,7 @@
                   </a:schemeClr>
                 </a:solidFill>
               </a:rPr>
-              <a:t>实例</a:t>
-            </a:r>
-            <a:r>
-              <a:rPr lang="zh-CN" altLang="en-US" sz="3200">
-                <a:solidFill>
-                  <a:schemeClr val="tx1">
-                    <a:lumMod val="85000"/>
-                    <a:lumOff val="15000"/>
-                  </a:schemeClr>
-                </a:solidFill>
-              </a:rPr>
-              <a:t>：</a:t>
+              <a:t>实例：</a:t>
             </a:r>
             <a:r>
               <a:rPr lang="zh-CN" altLang="en-US" sz="3200" smtClean="0">
@@ -34167,7 +34154,7 @@
               <a:defRPr/>
             </a:pPr>
             <a:r>
-              <a:rPr lang="en-US" altLang="zh-CN" sz="2400" b="1">
+              <a:rPr lang="en-US" altLang="zh-CN" sz="2400" b="1" dirty="0">
                 <a:solidFill>
                   <a:schemeClr val="tx1">
                     <a:lumMod val="85000"/>
@@ -34184,7 +34171,7 @@
               <a:defRPr/>
             </a:pPr>
             <a:r>
-              <a:rPr lang="en-US" altLang="zh-CN" sz="2400" b="1">
+              <a:rPr lang="en-US" altLang="zh-CN" sz="2400" b="1" dirty="0">
                 <a:solidFill>
                   <a:schemeClr val="tx1">
                     <a:lumMod val="85000"/>
@@ -34196,7 +34183,7 @@
               <a:t>&lt;</a:t>
             </a:r>
             <a:r>
-              <a:rPr lang="en-US" altLang="zh-CN" sz="2400" b="1">
+              <a:rPr lang="en-US" altLang="zh-CN" sz="2400" b="1" dirty="0">
                 <a:solidFill>
                   <a:srgbClr val="C00000"/>
                 </a:solidFill>
@@ -34205,7 +34192,7 @@
               <a:t>animation-list</a:t>
             </a:r>
             <a:r>
-              <a:rPr lang="en-US" altLang="zh-CN" sz="2400" b="1">
+              <a:rPr lang="en-US" altLang="zh-CN" sz="2400" b="1" dirty="0">
                 <a:solidFill>
                   <a:schemeClr val="tx1">
                     <a:lumMod val="85000"/>
@@ -34217,13 +34204,22 @@
               <a:t> </a:t>
             </a:r>
             <a:r>
-              <a:rPr lang="en-US" altLang="zh-CN" sz="2400" b="1">
+              <a:rPr lang="en-US" altLang="zh-CN" sz="2400" b="1" dirty="0" err="1">
                 <a:solidFill>
                   <a:srgbClr val="C00000"/>
                 </a:solidFill>
                 <a:latin typeface="Consolas" panose="020B0609020204030204" pitchFamily="49" charset="0"/>
               </a:rPr>
-              <a:t>android:oneshot="false"</a:t>
+              <a:t>android:oneshot</a:t>
+            </a:r>
+            <a:r>
+              <a:rPr lang="en-US" altLang="zh-CN" sz="2400" b="1" dirty="0">
+                <a:solidFill>
+                  <a:srgbClr val="C00000"/>
+                </a:solidFill>
+                <a:latin typeface="Consolas" panose="020B0609020204030204" pitchFamily="49" charset="0"/>
+              </a:rPr>
+              <a:t>="false"</a:t>
             </a:r>
           </a:p>
           <a:p>
@@ -34231,7 +34227,7 @@
               <a:defRPr/>
             </a:pPr>
             <a:r>
-              <a:rPr lang="en-US" altLang="zh-CN" sz="2400" b="1">
+              <a:rPr lang="en-US" altLang="zh-CN" sz="2400" b="1" dirty="0">
                 <a:solidFill>
                   <a:schemeClr val="tx1">
                     <a:lumMod val="85000"/>
@@ -34240,7 +34236,55 @@
                 </a:solidFill>
                 <a:latin typeface="Consolas" panose="020B0609020204030204" pitchFamily="49" charset="0"/>
               </a:rPr>
-              <a:t>    xmlns:android="http://schemas.android.com/apk/res/android"&gt;</a:t>
+              <a:t>    </a:t>
+            </a:r>
+            <a:r>
+              <a:rPr lang="en-US" altLang="zh-CN" sz="2400" b="1" dirty="0" err="1">
+                <a:solidFill>
+                  <a:schemeClr val="tx1">
+                    <a:lumMod val="85000"/>
+                    <a:lumOff val="15000"/>
+                  </a:schemeClr>
+                </a:solidFill>
+                <a:latin typeface="Consolas" panose="020B0609020204030204" pitchFamily="49" charset="0"/>
+              </a:rPr>
+              <a:t>xmlns:android</a:t>
+            </a:r>
+            <a:r>
+              <a:rPr lang="en-US" altLang="zh-CN" sz="2400" b="1" dirty="0">
+                <a:solidFill>
+                  <a:schemeClr val="tx1">
+                    <a:lumMod val="85000"/>
+                    <a:lumOff val="15000"/>
+                  </a:schemeClr>
+                </a:solidFill>
+                <a:latin typeface="Consolas" panose="020B0609020204030204" pitchFamily="49" charset="0"/>
+              </a:rPr>
+              <a:t>="http://schemas.android.com/</a:t>
+            </a:r>
+            <a:r>
+              <a:rPr lang="en-US" altLang="zh-CN" sz="2400" b="1" dirty="0" err="1">
+                <a:solidFill>
+                  <a:schemeClr val="tx1">
+                    <a:lumMod val="85000"/>
+                    <a:lumOff val="15000"/>
+                  </a:schemeClr>
+                </a:solidFill>
+                <a:latin typeface="Consolas" panose="020B0609020204030204" pitchFamily="49" charset="0"/>
+              </a:rPr>
+              <a:t>apk</a:t>
+            </a:r>
+            <a:r>
+              <a:rPr lang="en-US" altLang="zh-CN" sz="2400" b="1" dirty="0">
+                <a:solidFill>
+                  <a:schemeClr val="tx1">
+                    <a:lumMod val="85000"/>
+                    <a:lumOff val="15000"/>
+                  </a:schemeClr>
+                </a:solidFill>
+                <a:latin typeface="Consolas" panose="020B0609020204030204" pitchFamily="49" charset="0"/>
+              </a:rPr>
+              <a:t>/res/android"&gt;</a:t>
             </a:r>
           </a:p>
           <a:p>
@@ -34248,7 +34292,7 @@
               <a:defRPr/>
             </a:pPr>
             <a:r>
-              <a:rPr lang="en-US" altLang="zh-CN" sz="2400" b="1">
+              <a:rPr lang="en-US" altLang="zh-CN" sz="2400" b="1" dirty="0">
                 <a:solidFill>
                   <a:schemeClr val="tx1">
                     <a:lumMod val="85000"/>
@@ -34257,7 +34301,79 @@
                 </a:solidFill>
                 <a:latin typeface="Consolas" panose="020B0609020204030204" pitchFamily="49" charset="0"/>
               </a:rPr>
-              <a:t>    &lt;item android:drawable="@drawable/jd_1" android:duration="90" /&gt;</a:t>
+              <a:t>    &lt;item </a:t>
+            </a:r>
+            <a:r>
+              <a:rPr lang="en-US" altLang="zh-CN" sz="2400" b="1" dirty="0" err="1">
+                <a:solidFill>
+                  <a:schemeClr val="tx1">
+                    <a:lumMod val="85000"/>
+                    <a:lumOff val="15000"/>
+                  </a:schemeClr>
+                </a:solidFill>
+                <a:latin typeface="Consolas" panose="020B0609020204030204" pitchFamily="49" charset="0"/>
+              </a:rPr>
+              <a:t>android:drawable</a:t>
+            </a:r>
+            <a:r>
+              <a:rPr lang="en-US" altLang="zh-CN" sz="2400" b="1" dirty="0">
+                <a:solidFill>
+                  <a:schemeClr val="tx1">
+                    <a:lumMod val="85000"/>
+                    <a:lumOff val="15000"/>
+                  </a:schemeClr>
+                </a:solidFill>
+                <a:latin typeface="Consolas" panose="020B0609020204030204" pitchFamily="49" charset="0"/>
+              </a:rPr>
+              <a:t>="@</a:t>
+            </a:r>
+            <a:r>
+              <a:rPr lang="en-US" altLang="zh-CN" sz="2400" b="1" dirty="0" err="1">
+                <a:solidFill>
+                  <a:schemeClr val="tx1">
+                    <a:lumMod val="85000"/>
+                    <a:lumOff val="15000"/>
+                  </a:schemeClr>
+                </a:solidFill>
+                <a:latin typeface="Consolas" panose="020B0609020204030204" pitchFamily="49" charset="0"/>
+              </a:rPr>
+              <a:t>drawable</a:t>
+            </a:r>
+            <a:r>
+              <a:rPr lang="en-US" altLang="zh-CN" sz="2400" b="1" dirty="0">
+                <a:solidFill>
+                  <a:schemeClr val="tx1">
+                    <a:lumMod val="85000"/>
+                    <a:lumOff val="15000"/>
+                  </a:schemeClr>
+                </a:solidFill>
+                <a:latin typeface="Consolas" panose="020B0609020204030204" pitchFamily="49" charset="0"/>
+              </a:rPr>
+              <a:t>/jd_1" </a:t>
+            </a:r>
+            <a:r>
+              <a:rPr lang="en-US" altLang="zh-CN" sz="2400" b="1" dirty="0" err="1">
+                <a:solidFill>
+                  <a:schemeClr val="tx1">
+                    <a:lumMod val="85000"/>
+                    <a:lumOff val="15000"/>
+                  </a:schemeClr>
+                </a:solidFill>
+                <a:latin typeface="Consolas" panose="020B0609020204030204" pitchFamily="49" charset="0"/>
+              </a:rPr>
+              <a:t>android:duration</a:t>
+            </a:r>
+            <a:r>
+              <a:rPr lang="en-US" altLang="zh-CN" sz="2400" b="1" dirty="0">
+                <a:solidFill>
+                  <a:schemeClr val="tx1">
+                    <a:lumMod val="85000"/>
+                    <a:lumOff val="15000"/>
+                  </a:schemeClr>
+                </a:solidFill>
+                <a:latin typeface="Consolas" panose="020B0609020204030204" pitchFamily="49" charset="0"/>
+              </a:rPr>
+              <a:t>="90" /&gt;</a:t>
             </a:r>
           </a:p>
           <a:p>
@@ -34265,7 +34381,7 @@
               <a:defRPr/>
             </a:pPr>
             <a:r>
-              <a:rPr lang="en-US" altLang="zh-CN" sz="2400" b="1">
+              <a:rPr lang="en-US" altLang="zh-CN" sz="2400" b="1" dirty="0">
                 <a:solidFill>
                   <a:schemeClr val="tx1">
                     <a:lumMod val="85000"/>
@@ -34274,7 +34390,79 @@
                 </a:solidFill>
                 <a:latin typeface="Consolas" panose="020B0609020204030204" pitchFamily="49" charset="0"/>
               </a:rPr>
-              <a:t>    &lt;item android:drawable="@drawable/jd_2" android:duration="90" /&gt;</a:t>
+              <a:t>    &lt;item </a:t>
+            </a:r>
+            <a:r>
+              <a:rPr lang="en-US" altLang="zh-CN" sz="2400" b="1" dirty="0" err="1">
+                <a:solidFill>
+                  <a:schemeClr val="tx1">
+                    <a:lumMod val="85000"/>
+                    <a:lumOff val="15000"/>
+                  </a:schemeClr>
+                </a:solidFill>
+                <a:latin typeface="Consolas" panose="020B0609020204030204" pitchFamily="49" charset="0"/>
+              </a:rPr>
+              <a:t>android:drawable</a:t>
+            </a:r>
+            <a:r>
+              <a:rPr lang="en-US" altLang="zh-CN" sz="2400" b="1" dirty="0">
+                <a:solidFill>
+                  <a:schemeClr val="tx1">
+                    <a:lumMod val="85000"/>
+                    <a:lumOff val="15000"/>
+                  </a:schemeClr>
+                </a:solidFill>
+                <a:latin typeface="Consolas" panose="020B0609020204030204" pitchFamily="49" charset="0"/>
+              </a:rPr>
+              <a:t>="@</a:t>
+            </a:r>
+            <a:r>
+              <a:rPr lang="en-US" altLang="zh-CN" sz="2400" b="1" dirty="0" err="1">
+                <a:solidFill>
+                  <a:schemeClr val="tx1">
+                    <a:lumMod val="85000"/>
+                    <a:lumOff val="15000"/>
+                  </a:schemeClr>
+                </a:solidFill>
+                <a:latin typeface="Consolas" panose="020B0609020204030204" pitchFamily="49" charset="0"/>
+              </a:rPr>
+              <a:t>drawable</a:t>
+            </a:r>
+            <a:r>
+              <a:rPr lang="en-US" altLang="zh-CN" sz="2400" b="1" dirty="0">
+                <a:solidFill>
+                  <a:schemeClr val="tx1">
+                    <a:lumMod val="85000"/>
+                    <a:lumOff val="15000"/>
+                  </a:schemeClr>
+                </a:solidFill>
+                <a:latin typeface="Consolas" panose="020B0609020204030204" pitchFamily="49" charset="0"/>
+              </a:rPr>
+              <a:t>/jd_2" </a:t>
+            </a:r>
+            <a:r>
+              <a:rPr lang="en-US" altLang="zh-CN" sz="2400" b="1" dirty="0" err="1">
+                <a:solidFill>
+                  <a:schemeClr val="tx1">
+                    <a:lumMod val="85000"/>
+                    <a:lumOff val="15000"/>
+                  </a:schemeClr>
+                </a:solidFill>
+                <a:latin typeface="Consolas" panose="020B0609020204030204" pitchFamily="49" charset="0"/>
+              </a:rPr>
+              <a:t>android:duration</a:t>
+            </a:r>
+            <a:r>
+              <a:rPr lang="en-US" altLang="zh-CN" sz="2400" b="1" dirty="0">
+                <a:solidFill>
+                  <a:schemeClr val="tx1">
+                    <a:lumMod val="85000"/>
+                    <a:lumOff val="15000"/>
+                  </a:schemeClr>
+                </a:solidFill>
+                <a:latin typeface="Consolas" panose="020B0609020204030204" pitchFamily="49" charset="0"/>
+              </a:rPr>
+              <a:t>="90" /&gt;</a:t>
             </a:r>
           </a:p>
           <a:p>
@@ -34282,7 +34470,7 @@
               <a:defRPr/>
             </a:pPr>
             <a:r>
-              <a:rPr lang="en-US" altLang="zh-CN" sz="2400" b="1">
+              <a:rPr lang="en-US" altLang="zh-CN" sz="2400" b="1" dirty="0">
                 <a:solidFill>
                   <a:schemeClr val="tx1">
                     <a:lumMod val="85000"/>
@@ -34291,7 +34479,79 @@
                 </a:solidFill>
                 <a:latin typeface="Consolas" panose="020B0609020204030204" pitchFamily="49" charset="0"/>
               </a:rPr>
-              <a:t>    &lt;item android:drawable="@drawable/jd_3" android:duration="90" /&gt;</a:t>
+              <a:t>    &lt;item </a:t>
+            </a:r>
+            <a:r>
+              <a:rPr lang="en-US" altLang="zh-CN" sz="2400" b="1" dirty="0" err="1">
+                <a:solidFill>
+                  <a:schemeClr val="tx1">
+                    <a:lumMod val="85000"/>
+                    <a:lumOff val="15000"/>
+                  </a:schemeClr>
+                </a:solidFill>
+                <a:latin typeface="Consolas" panose="020B0609020204030204" pitchFamily="49" charset="0"/>
+              </a:rPr>
+              <a:t>android:drawable</a:t>
+            </a:r>
+            <a:r>
+              <a:rPr lang="en-US" altLang="zh-CN" sz="2400" b="1" dirty="0">
+                <a:solidFill>
+                  <a:schemeClr val="tx1">
+                    <a:lumMod val="85000"/>
+                    <a:lumOff val="15000"/>
+                  </a:schemeClr>
+                </a:solidFill>
+                <a:latin typeface="Consolas" panose="020B0609020204030204" pitchFamily="49" charset="0"/>
+              </a:rPr>
+              <a:t>="@</a:t>
+            </a:r>
+            <a:r>
+              <a:rPr lang="en-US" altLang="zh-CN" sz="2400" b="1" dirty="0" err="1">
+                <a:solidFill>
+                  <a:schemeClr val="tx1">
+                    <a:lumMod val="85000"/>
+                    <a:lumOff val="15000"/>
+                  </a:schemeClr>
+                </a:solidFill>
+                <a:latin typeface="Consolas" panose="020B0609020204030204" pitchFamily="49" charset="0"/>
+              </a:rPr>
+              <a:t>drawable</a:t>
+            </a:r>
+            <a:r>
+              <a:rPr lang="en-US" altLang="zh-CN" sz="2400" b="1" dirty="0">
+                <a:solidFill>
+                  <a:schemeClr val="tx1">
+                    <a:lumMod val="85000"/>
+                    <a:lumOff val="15000"/>
+                  </a:schemeClr>
+                </a:solidFill>
+                <a:latin typeface="Consolas" panose="020B0609020204030204" pitchFamily="49" charset="0"/>
+              </a:rPr>
+              <a:t>/jd_3" </a:t>
+            </a:r>
+            <a:r>
+              <a:rPr lang="en-US" altLang="zh-CN" sz="2400" b="1" dirty="0" err="1">
+                <a:solidFill>
+                  <a:schemeClr val="tx1">
+                    <a:lumMod val="85000"/>
+                    <a:lumOff val="15000"/>
+                  </a:schemeClr>
+                </a:solidFill>
+                <a:latin typeface="Consolas" panose="020B0609020204030204" pitchFamily="49" charset="0"/>
+              </a:rPr>
+              <a:t>android:duration</a:t>
+            </a:r>
+            <a:r>
+              <a:rPr lang="en-US" altLang="zh-CN" sz="2400" b="1" dirty="0">
+                <a:solidFill>
+                  <a:schemeClr val="tx1">
+                    <a:lumMod val="85000"/>
+                    <a:lumOff val="15000"/>
+                  </a:schemeClr>
+                </a:solidFill>
+                <a:latin typeface="Consolas" panose="020B0609020204030204" pitchFamily="49" charset="0"/>
+              </a:rPr>
+              <a:t>="90" /&gt;</a:t>
             </a:r>
           </a:p>
           <a:p>
@@ -34299,7 +34559,7 @@
               <a:defRPr/>
             </a:pPr>
             <a:r>
-              <a:rPr lang="en-US" altLang="zh-CN" sz="2400" b="1">
+              <a:rPr lang="en-US" altLang="zh-CN" sz="2400" b="1" dirty="0">
                 <a:solidFill>
                   <a:schemeClr val="tx1">
                     <a:lumMod val="85000"/>
